--- a/COM1024/powerpoint/bài_15/Photo Album.pptx
+++ b/COM1024/powerpoint/bài_15/Photo Album.pptx
@@ -290,7 +290,7 @@
           <a:p>
             <a:fld id="{2E7E1044-D0CB-471E-AEAD-9BFEFEA6AD2B}" type="datetimeFigureOut">
               <a:rPr lang="en-US" smtClean="0"/>
-              <a:t>12/2/2018</a:t>
+              <a:t>12/3/2018</a:t>
             </a:fld>
             <a:endParaRPr lang="en-US"/>
           </a:p>
@@ -460,7 +460,7 @@
           <a:p>
             <a:fld id="{2E7E1044-D0CB-471E-AEAD-9BFEFEA6AD2B}" type="datetimeFigureOut">
               <a:rPr lang="en-US" smtClean="0"/>
-              <a:t>12/2/2018</a:t>
+              <a:t>12/3/2018</a:t>
             </a:fld>
             <a:endParaRPr lang="en-US"/>
           </a:p>
@@ -640,7 +640,7 @@
           <a:p>
             <a:fld id="{2E7E1044-D0CB-471E-AEAD-9BFEFEA6AD2B}" type="datetimeFigureOut">
               <a:rPr lang="en-US" smtClean="0"/>
-              <a:t>12/2/2018</a:t>
+              <a:t>12/3/2018</a:t>
             </a:fld>
             <a:endParaRPr lang="en-US"/>
           </a:p>
@@ -810,7 +810,7 @@
           <a:p>
             <a:fld id="{2E7E1044-D0CB-471E-AEAD-9BFEFEA6AD2B}" type="datetimeFigureOut">
               <a:rPr lang="en-US" smtClean="0"/>
-              <a:t>12/2/2018</a:t>
+              <a:t>12/3/2018</a:t>
             </a:fld>
             <a:endParaRPr lang="en-US"/>
           </a:p>
@@ -1056,7 +1056,7 @@
           <a:p>
             <a:fld id="{2E7E1044-D0CB-471E-AEAD-9BFEFEA6AD2B}" type="datetimeFigureOut">
               <a:rPr lang="en-US" smtClean="0"/>
-              <a:t>12/2/2018</a:t>
+              <a:t>12/3/2018</a:t>
             </a:fld>
             <a:endParaRPr lang="en-US"/>
           </a:p>
@@ -1344,7 +1344,7 @@
           <a:p>
             <a:fld id="{2E7E1044-D0CB-471E-AEAD-9BFEFEA6AD2B}" type="datetimeFigureOut">
               <a:rPr lang="en-US" smtClean="0"/>
-              <a:t>12/2/2018</a:t>
+              <a:t>12/3/2018</a:t>
             </a:fld>
             <a:endParaRPr lang="en-US"/>
           </a:p>
@@ -1766,7 +1766,7 @@
           <a:p>
             <a:fld id="{2E7E1044-D0CB-471E-AEAD-9BFEFEA6AD2B}" type="datetimeFigureOut">
               <a:rPr lang="en-US" smtClean="0"/>
-              <a:t>12/2/2018</a:t>
+              <a:t>12/3/2018</a:t>
             </a:fld>
             <a:endParaRPr lang="en-US"/>
           </a:p>
@@ -1884,7 +1884,7 @@
           <a:p>
             <a:fld id="{2E7E1044-D0CB-471E-AEAD-9BFEFEA6AD2B}" type="datetimeFigureOut">
               <a:rPr lang="en-US" smtClean="0"/>
-              <a:t>12/2/2018</a:t>
+              <a:t>12/3/2018</a:t>
             </a:fld>
             <a:endParaRPr lang="en-US"/>
           </a:p>
@@ -1979,7 +1979,7 @@
           <a:p>
             <a:fld id="{2E7E1044-D0CB-471E-AEAD-9BFEFEA6AD2B}" type="datetimeFigureOut">
               <a:rPr lang="en-US" smtClean="0"/>
-              <a:t>12/2/2018</a:t>
+              <a:t>12/3/2018</a:t>
             </a:fld>
             <a:endParaRPr lang="en-US"/>
           </a:p>
@@ -2256,7 +2256,7 @@
           <a:p>
             <a:fld id="{2E7E1044-D0CB-471E-AEAD-9BFEFEA6AD2B}" type="datetimeFigureOut">
               <a:rPr lang="en-US" smtClean="0"/>
-              <a:t>12/2/2018</a:t>
+              <a:t>12/3/2018</a:t>
             </a:fld>
             <a:endParaRPr lang="en-US"/>
           </a:p>
@@ -2509,7 +2509,7 @@
           <a:p>
             <a:fld id="{2E7E1044-D0CB-471E-AEAD-9BFEFEA6AD2B}" type="datetimeFigureOut">
               <a:rPr lang="en-US" smtClean="0"/>
-              <a:t>12/2/2018</a:t>
+              <a:t>12/3/2018</a:t>
             </a:fld>
             <a:endParaRPr lang="en-US"/>
           </a:p>
@@ -2722,7 +2722,7 @@
           <a:p>
             <a:fld id="{2E7E1044-D0CB-471E-AEAD-9BFEFEA6AD2B}" type="datetimeFigureOut">
               <a:rPr lang="en-US" smtClean="0"/>
-              <a:t>12/2/2018</a:t>
+              <a:t>12/3/2018</a:t>
             </a:fld>
             <a:endParaRPr lang="en-US"/>
           </a:p>
@@ -3255,6 +3255,13 @@
   <p:clrMapOvr>
     <a:masterClrMapping/>
   </p:clrMapOvr>
+  <p:timing>
+    <p:tnLst>
+      <p:par>
+        <p:cTn id="1" dur="indefinite" restart="never" nodeType="tmRoot"/>
+      </p:par>
+    </p:tnLst>
+  </p:timing>
 </p:sld>
 </file>
 
@@ -3422,7 +3429,7 @@
         <p:spPr>
           <a:xfrm>
             <a:off x="4686300" y="3600450"/>
-            <a:ext cx="4114800" cy="2743200"/>
+            <a:ext cx="3962400" cy="2743200"/>
           </a:xfrm>
           <a:prstGeom prst="rect">
             <a:avLst/>
@@ -3449,6 +3456,194 @@
   <p:clrMapOvr>
     <a:masterClrMapping/>
   </p:clrMapOvr>
+  <p:timing>
+    <p:tnLst>
+      <p:par>
+        <p:cTn id="1" dur="indefinite" restart="never" nodeType="tmRoot">
+          <p:childTnLst>
+            <p:seq concurrent="1" nextAc="seek">
+              <p:cTn id="2" dur="indefinite" nodeType="mainSeq">
+                <p:childTnLst>
+                  <p:par>
+                    <p:cTn id="3" fill="hold">
+                      <p:stCondLst>
+                        <p:cond delay="indefinite"/>
+                      </p:stCondLst>
+                      <p:childTnLst>
+                        <p:par>
+                          <p:cTn id="4" fill="hold">
+                            <p:stCondLst>
+                              <p:cond delay="0"/>
+                            </p:stCondLst>
+                            <p:childTnLst>
+                              <p:par>
+                                <p:cTn id="5" presetID="16" presetClass="entr" presetSubtype="21" fill="hold" nodeType="clickEffect">
+                                  <p:stCondLst>
+                                    <p:cond delay="0"/>
+                                  </p:stCondLst>
+                                  <p:childTnLst>
+                                    <p:set>
+                                      <p:cBhvr>
+                                        <p:cTn id="6" dur="1" fill="hold">
+                                          <p:stCondLst>
+                                            <p:cond delay="0"/>
+                                          </p:stCondLst>
+                                        </p:cTn>
+                                        <p:tgtEl>
+                                          <p:spTgt spid="2"/>
+                                        </p:tgtEl>
+                                        <p:attrNameLst>
+                                          <p:attrName>style.visibility</p:attrName>
+                                        </p:attrNameLst>
+                                      </p:cBhvr>
+                                      <p:to>
+                                        <p:strVal val="visible"/>
+                                      </p:to>
+                                    </p:set>
+                                    <p:animEffect transition="in" filter="barn(inVertical)">
+                                      <p:cBhvr>
+                                        <p:cTn id="7" dur="500"/>
+                                        <p:tgtEl>
+                                          <p:spTgt spid="2"/>
+                                        </p:tgtEl>
+                                      </p:cBhvr>
+                                    </p:animEffect>
+                                  </p:childTnLst>
+                                </p:cTn>
+                              </p:par>
+                              <p:par>
+                                <p:cTn id="8" presetID="16" presetClass="entr" presetSubtype="21" fill="hold" nodeType="withEffect">
+                                  <p:stCondLst>
+                                    <p:cond delay="0"/>
+                                  </p:stCondLst>
+                                  <p:childTnLst>
+                                    <p:set>
+                                      <p:cBhvr>
+                                        <p:cTn id="9" dur="1" fill="hold">
+                                          <p:stCondLst>
+                                            <p:cond delay="0"/>
+                                          </p:stCondLst>
+                                        </p:cTn>
+                                        <p:tgtEl>
+                                          <p:spTgt spid="3"/>
+                                        </p:tgtEl>
+                                        <p:attrNameLst>
+                                          <p:attrName>style.visibility</p:attrName>
+                                        </p:attrNameLst>
+                                      </p:cBhvr>
+                                      <p:to>
+                                        <p:strVal val="visible"/>
+                                      </p:to>
+                                    </p:set>
+                                    <p:animEffect transition="in" filter="barn(inVertical)">
+                                      <p:cBhvr>
+                                        <p:cTn id="10" dur="500"/>
+                                        <p:tgtEl>
+                                          <p:spTgt spid="3"/>
+                                        </p:tgtEl>
+                                      </p:cBhvr>
+                                    </p:animEffect>
+                                  </p:childTnLst>
+                                </p:cTn>
+                              </p:par>
+                              <p:par>
+                                <p:cTn id="11" presetID="16" presetClass="entr" presetSubtype="21" fill="hold" nodeType="withEffect">
+                                  <p:stCondLst>
+                                    <p:cond delay="0"/>
+                                  </p:stCondLst>
+                                  <p:childTnLst>
+                                    <p:set>
+                                      <p:cBhvr>
+                                        <p:cTn id="12" dur="1" fill="hold">
+                                          <p:stCondLst>
+                                            <p:cond delay="0"/>
+                                          </p:stCondLst>
+                                        </p:cTn>
+                                        <p:tgtEl>
+                                          <p:spTgt spid="5"/>
+                                        </p:tgtEl>
+                                        <p:attrNameLst>
+                                          <p:attrName>style.visibility</p:attrName>
+                                        </p:attrNameLst>
+                                      </p:cBhvr>
+                                      <p:to>
+                                        <p:strVal val="visible"/>
+                                      </p:to>
+                                    </p:set>
+                                    <p:animEffect transition="in" filter="barn(inVertical)">
+                                      <p:cBhvr>
+                                        <p:cTn id="13" dur="500"/>
+                                        <p:tgtEl>
+                                          <p:spTgt spid="5"/>
+                                        </p:tgtEl>
+                                      </p:cBhvr>
+                                    </p:animEffect>
+                                  </p:childTnLst>
+                                </p:cTn>
+                              </p:par>
+                              <p:par>
+                                <p:cTn id="14" presetID="16" presetClass="entr" presetSubtype="21" fill="hold" nodeType="withEffect">
+                                  <p:stCondLst>
+                                    <p:cond delay="0"/>
+                                  </p:stCondLst>
+                                  <p:childTnLst>
+                                    <p:set>
+                                      <p:cBhvr>
+                                        <p:cTn id="15" dur="1" fill="hold">
+                                          <p:stCondLst>
+                                            <p:cond delay="0"/>
+                                          </p:stCondLst>
+                                        </p:cTn>
+                                        <p:tgtEl>
+                                          <p:spTgt spid="4"/>
+                                        </p:tgtEl>
+                                        <p:attrNameLst>
+                                          <p:attrName>style.visibility</p:attrName>
+                                        </p:attrNameLst>
+                                      </p:cBhvr>
+                                      <p:to>
+                                        <p:strVal val="visible"/>
+                                      </p:to>
+                                    </p:set>
+                                    <p:animEffect transition="in" filter="barn(inVertical)">
+                                      <p:cBhvr>
+                                        <p:cTn id="16" dur="500"/>
+                                        <p:tgtEl>
+                                          <p:spTgt spid="4"/>
+                                        </p:tgtEl>
+                                      </p:cBhvr>
+                                    </p:animEffect>
+                                  </p:childTnLst>
+                                </p:cTn>
+                              </p:par>
+                            </p:childTnLst>
+                          </p:cTn>
+                        </p:par>
+                      </p:childTnLst>
+                    </p:cTn>
+                  </p:par>
+                </p:childTnLst>
+              </p:cTn>
+              <p:prevCondLst>
+                <p:cond evt="onPrev" delay="0">
+                  <p:tgtEl>
+                    <p:sldTgt/>
+                  </p:tgtEl>
+                </p:cond>
+              </p:prevCondLst>
+              <p:nextCondLst>
+                <p:cond evt="onNext" delay="0">
+                  <p:tgtEl>
+                    <p:sldTgt/>
+                  </p:tgtEl>
+                </p:cond>
+              </p:nextCondLst>
+            </p:seq>
+          </p:childTnLst>
+        </p:cTn>
+      </p:par>
+    </p:tnLst>
+  </p:timing>
 </p:sld>
 </file>
 
